--- a/Проект_Паззл.pptx
+++ b/Проект_Паззл.pptx
@@ -104,6 +104,11 @@
       </a:defRPr>
     </a:lvl9pPr>
   </p:defaultTextStyle>
+  <p:extLst>
+    <p:ext uri="{EFAFB233-063F-42B5-8137-9DF3F51BA10A}">
+      <p15:sldGuideLst xmlns:p15="http://schemas.microsoft.com/office/powerpoint/2012/main"/>
+    </p:ext>
+  </p:extLst>
 </p:presentation>
 </file>
 
@@ -269,7 +274,7 @@
           <a:p>
             <a:fld id="{524C6359-9BB8-4148-8114-537E698DA205}" type="datetime1">
               <a:rPr lang="en-US" smtClean="0"/>
-              <a:t>11/7/2021</a:t>
+              <a:t>11/11/2021</a:t>
             </a:fld>
             <a:endParaRPr lang="en-US" dirty="0"/>
           </a:p>
@@ -1329,7 +1334,7 @@
           <a:p>
             <a:fld id="{A4649BD0-10DB-43E7-8F22-40B3D51B8FC3}" type="datetime1">
               <a:rPr lang="en-US" smtClean="0"/>
-              <a:t>11/7/2021</a:t>
+              <a:t>11/11/2021</a:t>
             </a:fld>
             <a:endParaRPr lang="en-US"/>
           </a:p>
@@ -2390,7 +2395,7 @@
           <a:p>
             <a:fld id="{0A16C79C-F566-427A-93F6-434A4E613134}" type="datetime1">
               <a:rPr lang="en-US" smtClean="0"/>
-              <a:t>11/7/2021</a:t>
+              <a:t>11/11/2021</a:t>
             </a:fld>
             <a:endParaRPr lang="en-US"/>
           </a:p>
@@ -3446,7 +3451,7 @@
           <a:p>
             <a:fld id="{9376191F-481E-48E9-BB9A-369A67A7362D}" type="datetime1">
               <a:rPr lang="en-US" smtClean="0"/>
-              <a:t>11/7/2021</a:t>
+              <a:t>11/11/2021</a:t>
             </a:fld>
             <a:endParaRPr lang="en-US" dirty="0"/>
           </a:p>
@@ -4575,7 +4580,7 @@
           <a:p>
             <a:fld id="{6C5677DE-DD04-48CC-9C18-7BE9FF2DEB6B}" type="datetime1">
               <a:rPr lang="en-US" smtClean="0"/>
-              <a:t>11/7/2021</a:t>
+              <a:t>11/11/2021</a:t>
             </a:fld>
             <a:endParaRPr lang="en-US"/>
           </a:p>
@@ -5694,7 +5699,7 @@
           <a:p>
             <a:fld id="{463255ED-7101-4D18-A8AE-3B5E4CB87EA5}" type="datetime1">
               <a:rPr lang="en-US" smtClean="0"/>
-              <a:t>11/7/2021</a:t>
+              <a:t>11/11/2021</a:t>
             </a:fld>
             <a:endParaRPr lang="en-US"/>
           </a:p>
@@ -7000,7 +7005,7 @@
           <a:p>
             <a:fld id="{CD52F23D-51F6-4C94-8CD5-B9ABBF67EE23}" type="datetime1">
               <a:rPr lang="en-US" smtClean="0"/>
-              <a:t>11/7/2021</a:t>
+              <a:t>11/11/2021</a:t>
             </a:fld>
             <a:endParaRPr lang="en-US"/>
           </a:p>
@@ -7147,7 +7152,7 @@
           <a:p>
             <a:fld id="{D51A702F-6367-4FD1-89A8-3744BE6BA9A2}" type="datetime1">
               <a:rPr lang="en-US" smtClean="0"/>
-              <a:t>11/7/2021</a:t>
+              <a:t>11/11/2021</a:t>
             </a:fld>
             <a:endParaRPr lang="en-US"/>
           </a:p>
@@ -8111,7 +8116,7 @@
           <a:p>
             <a:fld id="{4A6E99BD-4B4F-4460-B452-0E8146ACCF8F}" type="datetime1">
               <a:rPr lang="en-US" smtClean="0"/>
-              <a:t>11/7/2021</a:t>
+              <a:t>11/11/2021</a:t>
             </a:fld>
             <a:endParaRPr lang="en-US"/>
           </a:p>
@@ -8430,7 +8435,7 @@
           <a:p>
             <a:fld id="{EB6FD34C-1867-42A9-AC54-D15ADD8A65E7}" type="datetime1">
               <a:rPr lang="en-US" smtClean="0"/>
-              <a:t>11/7/2021</a:t>
+              <a:t>11/11/2021</a:t>
             </a:fld>
             <a:endParaRPr lang="en-US"/>
           </a:p>
@@ -9578,7 +9583,7 @@
           <a:p>
             <a:fld id="{336133E9-A654-4C17-8C3C-DDCAC83D6EBF}" type="datetime1">
               <a:rPr lang="en-US" smtClean="0"/>
-              <a:t>11/7/2021</a:t>
+              <a:t>11/11/2021</a:t>
             </a:fld>
             <a:endParaRPr lang="en-US"/>
           </a:p>
@@ -11988,7 +11993,7 @@
           <a:p>
             <a:fld id="{8769D389-4C4C-4FD7-9E6B-9F44477F0EB8}" type="datetime1">
               <a:rPr lang="en-US" smtClean="0"/>
-              <a:t>11/7/2021</a:t>
+              <a:t>11/11/2021</a:t>
             </a:fld>
             <a:endParaRPr lang="en-US" dirty="0"/>
           </a:p>
@@ -12509,7 +12514,7 @@
         </p:nvSpPr>
         <p:spPr>
           <a:xfrm>
-            <a:off x="439965" y="992251"/>
+            <a:off x="530352" y="1995427"/>
             <a:ext cx="4114800" cy="2215152"/>
           </a:xfrm>
         </p:spPr>
@@ -12531,15 +12536,7 @@
             </a:br>
             <a:r>
               <a:rPr lang="en-US" dirty="0"/>
-              <a:t>“</a:t>
-            </a:r>
-            <a:r>
-              <a:rPr lang="en-US" dirty="0" err="1"/>
-              <a:t>Pazzle</a:t>
-            </a:r>
-            <a:r>
-              <a:rPr lang="en-US" dirty="0"/>
-              <a:t>”</a:t>
+              <a:t>“Puzzle”</a:t>
             </a:r>
             <a:endParaRPr lang="ru-RU" dirty="0"/>
           </a:p>
@@ -14627,72 +14624,36 @@
         </p:blipFill>
         <p:spPr>
           <a:xfrm>
-            <a:off x="4677198" y="446203"/>
+            <a:off x="5320103" y="227560"/>
             <a:ext cx="6271115" cy="6080203"/>
           </a:xfrm>
-          <a:prstGeom prst="rect">
+          <a:prstGeom prst="ellipse">
             <a:avLst/>
           </a:prstGeom>
-        </p:spPr>
-      </p:pic>
-      <p:pic>
-        <p:nvPicPr>
-          <p:cNvPr id="6" name="Рисунок 5">
-            <a:extLst>
-              <a:ext uri="{FF2B5EF4-FFF2-40B4-BE49-F238E27FC236}">
-                <a16:creationId xmlns:a16="http://schemas.microsoft.com/office/drawing/2014/main" id="{40D9DC0A-1D47-4C5F-B3C2-7C0299C26593}"/>
-              </a:ext>
-            </a:extLst>
-          </p:cNvPr>
-          <p:cNvPicPr>
-            <a:picLocks noChangeAspect="1"/>
-          </p:cNvPicPr>
-          <p:nvPr/>
-        </p:nvPicPr>
-        <p:blipFill>
-          <a:blip r:embed="rId3"/>
-          <a:stretch>
-            <a:fillRect/>
-          </a:stretch>
-        </p:blipFill>
-        <p:spPr>
-          <a:xfrm rot="902097">
-            <a:off x="10062632" y="25496"/>
-            <a:ext cx="1280344" cy="1279674"/>
-          </a:xfrm>
-          <a:prstGeom prst="rect">
-            <a:avLst/>
-          </a:prstGeom>
-        </p:spPr>
-      </p:pic>
-      <p:pic>
-        <p:nvPicPr>
-          <p:cNvPr id="7" name="Рисунок 6">
-            <a:extLst>
-              <a:ext uri="{FF2B5EF4-FFF2-40B4-BE49-F238E27FC236}">
-                <a16:creationId xmlns:a16="http://schemas.microsoft.com/office/drawing/2014/main" id="{AF450750-28DD-4F8F-AF71-3A92373831CF}"/>
-              </a:ext>
-            </a:extLst>
-          </p:cNvPr>
-          <p:cNvPicPr>
-            <a:picLocks noChangeAspect="1"/>
-          </p:cNvPicPr>
-          <p:nvPr/>
-        </p:nvPicPr>
-        <p:blipFill>
-          <a:blip r:embed="rId4"/>
-          <a:stretch>
-            <a:fillRect/>
-          </a:stretch>
-        </p:blipFill>
-        <p:spPr>
-          <a:xfrm rot="12191010">
-            <a:off x="4348099" y="236520"/>
-            <a:ext cx="1250915" cy="1051550"/>
-          </a:xfrm>
-          <a:prstGeom prst="rect">
-            <a:avLst/>
-          </a:prstGeom>
+          <a:ln w="63500" cap="rnd">
+            <a:solidFill>
+              <a:srgbClr val="333333"/>
+            </a:solidFill>
+          </a:ln>
+          <a:effectLst>
+            <a:outerShdw blurRad="381000" dist="292100" dir="5400000" sx="-80000" sy="-18000" rotWithShape="0">
+              <a:srgbClr val="000000">
+                <a:alpha val="22000"/>
+              </a:srgbClr>
+            </a:outerShdw>
+          </a:effectLst>
+          <a:scene3d>
+            <a:camera prst="orthographicFront"/>
+            <a:lightRig rig="contrasting" dir="t">
+              <a:rot lat="0" lon="0" rev="3000000"/>
+            </a:lightRig>
+          </a:scene3d>
+          <a:sp3d contourW="7620">
+            <a:bevelT w="95250" h="31750"/>
+            <a:contourClr>
+              <a:srgbClr val="333333"/>
+            </a:contourClr>
+          </a:sp3d>
         </p:spPr>
       </p:pic>
       <p:pic>
@@ -14710,19 +14671,43 @@
           <p:nvPr/>
         </p:nvPicPr>
         <p:blipFill>
-          <a:blip r:embed="rId5"/>
+          <a:blip r:embed="rId3"/>
           <a:stretch>
             <a:fillRect/>
           </a:stretch>
         </p:blipFill>
         <p:spPr>
           <a:xfrm>
-            <a:off x="4285464" y="3784976"/>
+            <a:off x="4905231" y="3539634"/>
             <a:ext cx="3048798" cy="2848720"/>
           </a:xfrm>
-          <a:prstGeom prst="rect">
+          <a:prstGeom prst="ellipse">
             <a:avLst/>
           </a:prstGeom>
+          <a:ln w="63500" cap="rnd">
+            <a:solidFill>
+              <a:srgbClr val="333333"/>
+            </a:solidFill>
+          </a:ln>
+          <a:effectLst>
+            <a:outerShdw blurRad="381000" dist="292100" dir="5400000" sx="-80000" sy="-18000" rotWithShape="0">
+              <a:srgbClr val="000000">
+                <a:alpha val="22000"/>
+              </a:srgbClr>
+            </a:outerShdw>
+          </a:effectLst>
+          <a:scene3d>
+            <a:camera prst="orthographicFront"/>
+            <a:lightRig rig="contrasting" dir="t">
+              <a:rot lat="0" lon="0" rev="3000000"/>
+            </a:lightRig>
+          </a:scene3d>
+          <a:sp3d contourW="7620">
+            <a:bevelT w="95250" h="31750"/>
+            <a:contourClr>
+              <a:srgbClr val="333333"/>
+            </a:contourClr>
+          </a:sp3d>
         </p:spPr>
       </p:pic>
     </p:spTree>

--- a/Проект_Паззл.pptx
+++ b/Проект_Паззл.pptx
@@ -6,6 +6,9 @@
   </p:sldMasterIdLst>
   <p:sldIdLst>
     <p:sldId id="256" r:id="rId2"/>
+    <p:sldId id="257" r:id="rId3"/>
+    <p:sldId id="258" r:id="rId4"/>
+    <p:sldId id="259" r:id="rId5"/>
   </p:sldIdLst>
   <p:sldSz cx="12192000" cy="6858000"/>
   <p:notesSz cx="6858000" cy="9144000"/>
@@ -274,7 +277,7 @@
           <a:p>
             <a:fld id="{524C6359-9BB8-4148-8114-537E698DA205}" type="datetime1">
               <a:rPr lang="en-US" smtClean="0"/>
-              <a:t>11/11/2021</a:t>
+              <a:t>11/17/2021</a:t>
             </a:fld>
             <a:endParaRPr lang="en-US" dirty="0"/>
           </a:p>
@@ -1334,7 +1337,7 @@
           <a:p>
             <a:fld id="{A4649BD0-10DB-43E7-8F22-40B3D51B8FC3}" type="datetime1">
               <a:rPr lang="en-US" smtClean="0"/>
-              <a:t>11/11/2021</a:t>
+              <a:t>11/17/2021</a:t>
             </a:fld>
             <a:endParaRPr lang="en-US"/>
           </a:p>
@@ -2395,7 +2398,7 @@
           <a:p>
             <a:fld id="{0A16C79C-F566-427A-93F6-434A4E613134}" type="datetime1">
               <a:rPr lang="en-US" smtClean="0"/>
-              <a:t>11/11/2021</a:t>
+              <a:t>11/17/2021</a:t>
             </a:fld>
             <a:endParaRPr lang="en-US"/>
           </a:p>
@@ -3451,7 +3454,7 @@
           <a:p>
             <a:fld id="{9376191F-481E-48E9-BB9A-369A67A7362D}" type="datetime1">
               <a:rPr lang="en-US" smtClean="0"/>
-              <a:t>11/11/2021</a:t>
+              <a:t>11/17/2021</a:t>
             </a:fld>
             <a:endParaRPr lang="en-US" dirty="0"/>
           </a:p>
@@ -4580,7 +4583,7 @@
           <a:p>
             <a:fld id="{6C5677DE-DD04-48CC-9C18-7BE9FF2DEB6B}" type="datetime1">
               <a:rPr lang="en-US" smtClean="0"/>
-              <a:t>11/11/2021</a:t>
+              <a:t>11/17/2021</a:t>
             </a:fld>
             <a:endParaRPr lang="en-US"/>
           </a:p>
@@ -5699,7 +5702,7 @@
           <a:p>
             <a:fld id="{463255ED-7101-4D18-A8AE-3B5E4CB87EA5}" type="datetime1">
               <a:rPr lang="en-US" smtClean="0"/>
-              <a:t>11/11/2021</a:t>
+              <a:t>11/17/2021</a:t>
             </a:fld>
             <a:endParaRPr lang="en-US"/>
           </a:p>
@@ -7005,7 +7008,7 @@
           <a:p>
             <a:fld id="{CD52F23D-51F6-4C94-8CD5-B9ABBF67EE23}" type="datetime1">
               <a:rPr lang="en-US" smtClean="0"/>
-              <a:t>11/11/2021</a:t>
+              <a:t>11/17/2021</a:t>
             </a:fld>
             <a:endParaRPr lang="en-US"/>
           </a:p>
@@ -7152,7 +7155,7 @@
           <a:p>
             <a:fld id="{D51A702F-6367-4FD1-89A8-3744BE6BA9A2}" type="datetime1">
               <a:rPr lang="en-US" smtClean="0"/>
-              <a:t>11/11/2021</a:t>
+              <a:t>11/17/2021</a:t>
             </a:fld>
             <a:endParaRPr lang="en-US"/>
           </a:p>
@@ -8116,7 +8119,7 @@
           <a:p>
             <a:fld id="{4A6E99BD-4B4F-4460-B452-0E8146ACCF8F}" type="datetime1">
               <a:rPr lang="en-US" smtClean="0"/>
-              <a:t>11/11/2021</a:t>
+              <a:t>11/17/2021</a:t>
             </a:fld>
             <a:endParaRPr lang="en-US"/>
           </a:p>
@@ -8435,7 +8438,7 @@
           <a:p>
             <a:fld id="{EB6FD34C-1867-42A9-AC54-D15ADD8A65E7}" type="datetime1">
               <a:rPr lang="en-US" smtClean="0"/>
-              <a:t>11/11/2021</a:t>
+              <a:t>11/17/2021</a:t>
             </a:fld>
             <a:endParaRPr lang="en-US"/>
           </a:p>
@@ -9583,7 +9586,7 @@
           <a:p>
             <a:fld id="{336133E9-A654-4C17-8C3C-DDCAC83D6EBF}" type="datetime1">
               <a:rPr lang="en-US" smtClean="0"/>
-              <a:t>11/11/2021</a:t>
+              <a:t>11/17/2021</a:t>
             </a:fld>
             <a:endParaRPr lang="en-US"/>
           </a:p>
@@ -11993,7 +11996,7 @@
           <a:p>
             <a:fld id="{8769D389-4C4C-4FD7-9E6B-9F44477F0EB8}" type="datetime1">
               <a:rPr lang="en-US" smtClean="0"/>
-              <a:t>11/11/2021</a:t>
+              <a:t>11/17/2021</a:t>
             </a:fld>
             <a:endParaRPr lang="en-US" dirty="0"/>
           </a:p>
@@ -14723,6 +14726,411 @@
 </p:sld>
 </file>
 
+<file path=ppt/slides/slide2.xml><?xml version="1.0" encoding="utf-8"?>
+<p:sld xmlns:a="http://schemas.openxmlformats.org/drawingml/2006/main" xmlns:r="http://schemas.openxmlformats.org/officeDocument/2006/relationships" xmlns:p="http://schemas.openxmlformats.org/presentationml/2006/main">
+  <p:cSld>
+    <p:spTree>
+      <p:nvGrpSpPr>
+        <p:cNvPr id="1" name=""/>
+        <p:cNvGrpSpPr/>
+        <p:nvPr/>
+      </p:nvGrpSpPr>
+      <p:grpSpPr>
+        <a:xfrm>
+          <a:off x="0" y="0"/>
+          <a:ext cx="0" cy="0"/>
+          <a:chOff x="0" y="0"/>
+          <a:chExt cx="0" cy="0"/>
+        </a:xfrm>
+      </p:grpSpPr>
+      <p:sp>
+        <p:nvSpPr>
+          <p:cNvPr id="2" name="Заголовок 1">
+            <a:extLst>
+              <a:ext uri="{FF2B5EF4-FFF2-40B4-BE49-F238E27FC236}">
+                <a16:creationId xmlns:a16="http://schemas.microsoft.com/office/drawing/2014/main" id="{23BF6384-C3BA-4770-9221-C30B73CD42CB}"/>
+              </a:ext>
+            </a:extLst>
+          </p:cNvPr>
+          <p:cNvSpPr>
+            <a:spLocks noGrp="1"/>
+          </p:cNvSpPr>
+          <p:nvPr>
+            <p:ph type="title"/>
+          </p:nvPr>
+        </p:nvSpPr>
+        <p:spPr>
+          <a:xfrm>
+            <a:off x="304801" y="589635"/>
+            <a:ext cx="1569413" cy="748182"/>
+          </a:xfrm>
+        </p:spPr>
+        <p:txBody>
+          <a:bodyPr/>
+          <a:lstStyle/>
+          <a:p>
+            <a:r>
+              <a:rPr lang="ru-RU" dirty="0"/>
+              <a:t>Вход</a:t>
+            </a:r>
+          </a:p>
+        </p:txBody>
+      </p:sp>
+      <p:pic>
+        <p:nvPicPr>
+          <p:cNvPr id="5" name="Объект 4">
+            <a:extLst>
+              <a:ext uri="{FF2B5EF4-FFF2-40B4-BE49-F238E27FC236}">
+                <a16:creationId xmlns:a16="http://schemas.microsoft.com/office/drawing/2014/main" id="{67AD859E-5FF3-402F-ACDE-0D8F73AD5051}"/>
+              </a:ext>
+            </a:extLst>
+          </p:cNvPr>
+          <p:cNvPicPr>
+            <a:picLocks noGrp="1" noChangeAspect="1"/>
+          </p:cNvPicPr>
+          <p:nvPr>
+            <p:ph idx="1"/>
+          </p:nvPr>
+        </p:nvPicPr>
+        <p:blipFill>
+          <a:blip r:embed="rId2">
+            <a:extLst>
+              <a:ext uri="{28A0092B-C50C-407E-A947-70E740481C1C}">
+                <a14:useLocalDpi xmlns:a14="http://schemas.microsoft.com/office/drawing/2010/main" val="0"/>
+              </a:ext>
+            </a:extLst>
+          </a:blip>
+          <a:stretch>
+            <a:fillRect/>
+          </a:stretch>
+        </p:blipFill>
+        <p:spPr>
+          <a:xfrm>
+            <a:off x="5202316" y="589635"/>
+            <a:ext cx="6684883" cy="5568044"/>
+          </a:xfrm>
+        </p:spPr>
+      </p:pic>
+      <p:sp>
+        <p:nvSpPr>
+          <p:cNvPr id="7" name="TextBox 6">
+            <a:extLst>
+              <a:ext uri="{FF2B5EF4-FFF2-40B4-BE49-F238E27FC236}">
+                <a16:creationId xmlns:a16="http://schemas.microsoft.com/office/drawing/2014/main" id="{DA088C7E-22A9-4C4B-8606-491DE28374CA}"/>
+              </a:ext>
+            </a:extLst>
+          </p:cNvPr>
+          <p:cNvSpPr txBox="1"/>
+          <p:nvPr/>
+        </p:nvSpPr>
+        <p:spPr>
+          <a:xfrm>
+            <a:off x="408373" y="2689934"/>
+            <a:ext cx="4669654" cy="2062103"/>
+          </a:xfrm>
+          <a:prstGeom prst="rect">
+            <a:avLst/>
+          </a:prstGeom>
+          <a:noFill/>
+        </p:spPr>
+        <p:txBody>
+          <a:bodyPr wrap="square" rtlCol="0">
+            <a:spAutoFit/>
+          </a:bodyPr>
+          <a:lstStyle/>
+          <a:p>
+            <a:r>
+              <a:rPr lang="ru-RU" sz="3200" dirty="0"/>
+              <a:t>На входе нам будет доступно две кнопки:</a:t>
+            </a:r>
+          </a:p>
+          <a:p>
+            <a:pPr marL="742950" lvl="1" indent="-285750">
+              <a:buFont typeface="Arial" panose="020B0604020202020204" pitchFamily="34" charset="0"/>
+              <a:buChar char="•"/>
+            </a:pPr>
+            <a:r>
+              <a:rPr lang="en-US" sz="3200" dirty="0"/>
+              <a:t>Create</a:t>
+            </a:r>
+          </a:p>
+          <a:p>
+            <a:pPr marL="742950" lvl="1" indent="-285750">
+              <a:buFont typeface="Arial" panose="020B0604020202020204" pitchFamily="34" charset="0"/>
+              <a:buChar char="•"/>
+            </a:pPr>
+            <a:r>
+              <a:rPr lang="en-US" sz="3200" dirty="0"/>
+              <a:t>Download</a:t>
+            </a:r>
+            <a:endParaRPr lang="ru-RU" sz="3200" dirty="0"/>
+          </a:p>
+        </p:txBody>
+      </p:sp>
+    </p:spTree>
+    <p:extLst>
+      <p:ext uri="{BB962C8B-B14F-4D97-AF65-F5344CB8AC3E}">
+        <p14:creationId xmlns:p14="http://schemas.microsoft.com/office/powerpoint/2010/main" val="3577677034"/>
+      </p:ext>
+    </p:extLst>
+  </p:cSld>
+  <p:clrMapOvr>
+    <a:masterClrMapping/>
+  </p:clrMapOvr>
+</p:sld>
+</file>
+
+<file path=ppt/slides/slide3.xml><?xml version="1.0" encoding="utf-8"?>
+<p:sld xmlns:a="http://schemas.openxmlformats.org/drawingml/2006/main" xmlns:r="http://schemas.openxmlformats.org/officeDocument/2006/relationships" xmlns:p="http://schemas.openxmlformats.org/presentationml/2006/main">
+  <p:cSld>
+    <p:spTree>
+      <p:nvGrpSpPr>
+        <p:cNvPr id="1" name=""/>
+        <p:cNvGrpSpPr/>
+        <p:nvPr/>
+      </p:nvGrpSpPr>
+      <p:grpSpPr>
+        <a:xfrm>
+          <a:off x="0" y="0"/>
+          <a:ext cx="0" cy="0"/>
+          <a:chOff x="0" y="0"/>
+          <a:chExt cx="0" cy="0"/>
+        </a:xfrm>
+      </p:grpSpPr>
+      <p:sp>
+        <p:nvSpPr>
+          <p:cNvPr id="2" name="Заголовок 1">
+            <a:extLst>
+              <a:ext uri="{FF2B5EF4-FFF2-40B4-BE49-F238E27FC236}">
+                <a16:creationId xmlns:a16="http://schemas.microsoft.com/office/drawing/2014/main" id="{CC1CC796-4DCF-4ACA-A860-2C93178A6BD9}"/>
+              </a:ext>
+            </a:extLst>
+          </p:cNvPr>
+          <p:cNvSpPr>
+            <a:spLocks noGrp="1"/>
+          </p:cNvSpPr>
+          <p:nvPr>
+            <p:ph type="title"/>
+          </p:nvPr>
+        </p:nvSpPr>
+        <p:spPr>
+          <a:xfrm>
+            <a:off x="525717" y="405457"/>
+            <a:ext cx="2954330" cy="763225"/>
+          </a:xfrm>
+        </p:spPr>
+        <p:txBody>
+          <a:bodyPr/>
+          <a:lstStyle/>
+          <a:p>
+            <a:r>
+              <a:rPr lang="en-US" dirty="0"/>
+              <a:t>Download</a:t>
+            </a:r>
+            <a:endParaRPr lang="ru-RU" dirty="0"/>
+          </a:p>
+        </p:txBody>
+      </p:sp>
+      <p:pic>
+        <p:nvPicPr>
+          <p:cNvPr id="5" name="Объект 4">
+            <a:extLst>
+              <a:ext uri="{FF2B5EF4-FFF2-40B4-BE49-F238E27FC236}">
+                <a16:creationId xmlns:a16="http://schemas.microsoft.com/office/drawing/2014/main" id="{EDA4BEFE-9B22-43E9-8E27-B0E556A54497}"/>
+              </a:ext>
+            </a:extLst>
+          </p:cNvPr>
+          <p:cNvPicPr>
+            <a:picLocks noGrp="1" noChangeAspect="1"/>
+          </p:cNvPicPr>
+          <p:nvPr>
+            <p:ph idx="1"/>
+          </p:nvPr>
+        </p:nvPicPr>
+        <p:blipFill>
+          <a:blip r:embed="rId2">
+            <a:extLst>
+              <a:ext uri="{28A0092B-C50C-407E-A947-70E740481C1C}">
+                <a14:useLocalDpi xmlns:a14="http://schemas.microsoft.com/office/drawing/2010/main" val="0"/>
+              </a:ext>
+            </a:extLst>
+          </a:blip>
+          <a:stretch>
+            <a:fillRect/>
+          </a:stretch>
+        </p:blipFill>
+        <p:spPr>
+          <a:xfrm>
+            <a:off x="5276023" y="1101246"/>
+            <a:ext cx="6671220" cy="5077611"/>
+          </a:xfrm>
+        </p:spPr>
+      </p:pic>
+      <p:sp>
+        <p:nvSpPr>
+          <p:cNvPr id="6" name="TextBox 5">
+            <a:extLst>
+              <a:ext uri="{FF2B5EF4-FFF2-40B4-BE49-F238E27FC236}">
+                <a16:creationId xmlns:a16="http://schemas.microsoft.com/office/drawing/2014/main" id="{40DC2F68-4082-4716-89E6-58FDFDD0F51E}"/>
+              </a:ext>
+            </a:extLst>
+          </p:cNvPr>
+          <p:cNvSpPr txBox="1"/>
+          <p:nvPr/>
+        </p:nvSpPr>
+        <p:spPr>
+          <a:xfrm>
+            <a:off x="525717" y="2760955"/>
+            <a:ext cx="4593573" cy="2246769"/>
+          </a:xfrm>
+          <a:prstGeom prst="rect">
+            <a:avLst/>
+          </a:prstGeom>
+          <a:noFill/>
+        </p:spPr>
+        <p:txBody>
+          <a:bodyPr wrap="square" rtlCol="0">
+            <a:spAutoFit/>
+          </a:bodyPr>
+          <a:lstStyle/>
+          <a:p>
+            <a:r>
+              <a:rPr lang="ru-RU" sz="2800" dirty="0"/>
+              <a:t>При нажатии на </a:t>
+            </a:r>
+            <a:r>
+              <a:rPr lang="en-US" sz="2800" dirty="0"/>
+              <a:t>Download </a:t>
+            </a:r>
+            <a:r>
+              <a:rPr lang="ru-RU" sz="2800" dirty="0"/>
+              <a:t>нам открывается проводник где мы можем выбрать фото(</a:t>
+            </a:r>
+            <a:r>
+              <a:rPr lang="en-US" sz="2800" dirty="0" err="1"/>
+              <a:t>png</a:t>
+            </a:r>
+            <a:r>
+              <a:rPr lang="en-US" sz="2800" dirty="0"/>
+              <a:t>)</a:t>
+            </a:r>
+            <a:r>
+              <a:rPr lang="ru-RU" sz="2800" dirty="0"/>
+              <a:t> которое мы будем использовать</a:t>
+            </a:r>
+            <a:r>
+              <a:rPr lang="en-US" sz="2800" dirty="0"/>
+              <a:t> </a:t>
+            </a:r>
+            <a:r>
+              <a:rPr lang="ru-RU" sz="2800" dirty="0"/>
+              <a:t>далее.</a:t>
+            </a:r>
+          </a:p>
+        </p:txBody>
+      </p:sp>
+    </p:spTree>
+    <p:extLst>
+      <p:ext uri="{BB962C8B-B14F-4D97-AF65-F5344CB8AC3E}">
+        <p14:creationId xmlns:p14="http://schemas.microsoft.com/office/powerpoint/2010/main" val="332062606"/>
+      </p:ext>
+    </p:extLst>
+  </p:cSld>
+  <p:clrMapOvr>
+    <a:masterClrMapping/>
+  </p:clrMapOvr>
+</p:sld>
+</file>
+
+<file path=ppt/slides/slide4.xml><?xml version="1.0" encoding="utf-8"?>
+<p:sld xmlns:a="http://schemas.openxmlformats.org/drawingml/2006/main" xmlns:r="http://schemas.openxmlformats.org/officeDocument/2006/relationships" xmlns:p="http://schemas.openxmlformats.org/presentationml/2006/main">
+  <p:cSld>
+    <p:spTree>
+      <p:nvGrpSpPr>
+        <p:cNvPr id="1" name=""/>
+        <p:cNvGrpSpPr/>
+        <p:nvPr/>
+      </p:nvGrpSpPr>
+      <p:grpSpPr>
+        <a:xfrm>
+          <a:off x="0" y="0"/>
+          <a:ext cx="0" cy="0"/>
+          <a:chOff x="0" y="0"/>
+          <a:chExt cx="0" cy="0"/>
+        </a:xfrm>
+      </p:grpSpPr>
+      <p:sp>
+        <p:nvSpPr>
+          <p:cNvPr id="2" name="Заголовок 1">
+            <a:extLst>
+              <a:ext uri="{FF2B5EF4-FFF2-40B4-BE49-F238E27FC236}">
+                <a16:creationId xmlns:a16="http://schemas.microsoft.com/office/drawing/2014/main" id="{00087BDD-3E15-47EF-A00B-1B6A9B149D03}"/>
+              </a:ext>
+            </a:extLst>
+          </p:cNvPr>
+          <p:cNvSpPr>
+            <a:spLocks noGrp="1"/>
+          </p:cNvSpPr>
+          <p:nvPr>
+            <p:ph type="title"/>
+          </p:nvPr>
+        </p:nvSpPr>
+        <p:spPr>
+          <a:xfrm>
+            <a:off x="525717" y="523783"/>
+            <a:ext cx="1951153" cy="656693"/>
+          </a:xfrm>
+        </p:spPr>
+        <p:txBody>
+          <a:bodyPr/>
+          <a:lstStyle/>
+          <a:p>
+            <a:r>
+              <a:rPr lang="en-US" dirty="0"/>
+              <a:t>Create</a:t>
+            </a:r>
+            <a:endParaRPr lang="ru-RU" dirty="0"/>
+          </a:p>
+        </p:txBody>
+      </p:sp>
+      <p:sp>
+        <p:nvSpPr>
+          <p:cNvPr id="3" name="Объект 2">
+            <a:extLst>
+              <a:ext uri="{FF2B5EF4-FFF2-40B4-BE49-F238E27FC236}">
+                <a16:creationId xmlns:a16="http://schemas.microsoft.com/office/drawing/2014/main" id="{26DB0473-16F1-4997-AA56-7D8EA3BFE91B}"/>
+              </a:ext>
+            </a:extLst>
+          </p:cNvPr>
+          <p:cNvSpPr>
+            <a:spLocks noGrp="1"/>
+          </p:cNvSpPr>
+          <p:nvPr>
+            <p:ph idx="1"/>
+          </p:nvPr>
+        </p:nvSpPr>
+        <p:spPr/>
+        <p:txBody>
+          <a:bodyPr/>
+          <a:lstStyle/>
+          <a:p>
+            <a:endParaRPr lang="ru-RU"/>
+          </a:p>
+        </p:txBody>
+      </p:sp>
+    </p:spTree>
+    <p:extLst>
+      <p:ext uri="{BB962C8B-B14F-4D97-AF65-F5344CB8AC3E}">
+        <p14:creationId xmlns:p14="http://schemas.microsoft.com/office/powerpoint/2010/main" val="898245751"/>
+      </p:ext>
+    </p:extLst>
+  </p:cSld>
+  <p:clrMapOvr>
+    <a:masterClrMapping/>
+  </p:clrMapOvr>
+</p:sld>
+</file>
+
 <file path=ppt/theme/theme1.xml><?xml version="1.0" encoding="utf-8"?>
 <a:theme xmlns:a="http://schemas.openxmlformats.org/drawingml/2006/main" name="RocaVTI">
   <a:themeElements>
